--- a/GIT/GIT.pptx
+++ b/GIT/GIT.pptx
@@ -264,7 +264,7 @@
           <a:p>
             <a:fld id="{4A41720F-E0DA-4E1E-999A-1D88C944CE6C}" type="datetimeFigureOut">
               <a:rPr lang="en-US" smtClean="0"/>
-              <a:t>3/6/2017</a:t>
+              <a:t>3/29/2017</a:t>
             </a:fld>
             <a:endParaRPr lang="en-US"/>
           </a:p>
@@ -434,7 +434,7 @@
           <a:p>
             <a:fld id="{4A41720F-E0DA-4E1E-999A-1D88C944CE6C}" type="datetimeFigureOut">
               <a:rPr lang="en-US" smtClean="0"/>
-              <a:t>3/6/2017</a:t>
+              <a:t>3/29/2017</a:t>
             </a:fld>
             <a:endParaRPr lang="en-US"/>
           </a:p>
@@ -614,7 +614,7 @@
           <a:p>
             <a:fld id="{4A41720F-E0DA-4E1E-999A-1D88C944CE6C}" type="datetimeFigureOut">
               <a:rPr lang="en-US" smtClean="0"/>
-              <a:t>3/6/2017</a:t>
+              <a:t>3/29/2017</a:t>
             </a:fld>
             <a:endParaRPr lang="en-US"/>
           </a:p>
@@ -784,7 +784,7 @@
           <a:p>
             <a:fld id="{4A41720F-E0DA-4E1E-999A-1D88C944CE6C}" type="datetimeFigureOut">
               <a:rPr lang="en-US" smtClean="0"/>
-              <a:t>3/6/2017</a:t>
+              <a:t>3/29/2017</a:t>
             </a:fld>
             <a:endParaRPr lang="en-US"/>
           </a:p>
@@ -1030,7 +1030,7 @@
           <a:p>
             <a:fld id="{4A41720F-E0DA-4E1E-999A-1D88C944CE6C}" type="datetimeFigureOut">
               <a:rPr lang="en-US" smtClean="0"/>
-              <a:t>3/6/2017</a:t>
+              <a:t>3/29/2017</a:t>
             </a:fld>
             <a:endParaRPr lang="en-US"/>
           </a:p>
@@ -1262,7 +1262,7 @@
           <a:p>
             <a:fld id="{4A41720F-E0DA-4E1E-999A-1D88C944CE6C}" type="datetimeFigureOut">
               <a:rPr lang="en-US" smtClean="0"/>
-              <a:t>3/6/2017</a:t>
+              <a:t>3/29/2017</a:t>
             </a:fld>
             <a:endParaRPr lang="en-US"/>
           </a:p>
@@ -1629,7 +1629,7 @@
           <a:p>
             <a:fld id="{4A41720F-E0DA-4E1E-999A-1D88C944CE6C}" type="datetimeFigureOut">
               <a:rPr lang="en-US" smtClean="0"/>
-              <a:t>3/6/2017</a:t>
+              <a:t>3/29/2017</a:t>
             </a:fld>
             <a:endParaRPr lang="en-US"/>
           </a:p>
@@ -1747,7 +1747,7 @@
           <a:p>
             <a:fld id="{4A41720F-E0DA-4E1E-999A-1D88C944CE6C}" type="datetimeFigureOut">
               <a:rPr lang="en-US" smtClean="0"/>
-              <a:t>3/6/2017</a:t>
+              <a:t>3/29/2017</a:t>
             </a:fld>
             <a:endParaRPr lang="en-US"/>
           </a:p>
@@ -1842,7 +1842,7 @@
           <a:p>
             <a:fld id="{4A41720F-E0DA-4E1E-999A-1D88C944CE6C}" type="datetimeFigureOut">
               <a:rPr lang="en-US" smtClean="0"/>
-              <a:t>3/6/2017</a:t>
+              <a:t>3/29/2017</a:t>
             </a:fld>
             <a:endParaRPr lang="en-US"/>
           </a:p>
@@ -2119,7 +2119,7 @@
           <a:p>
             <a:fld id="{4A41720F-E0DA-4E1E-999A-1D88C944CE6C}" type="datetimeFigureOut">
               <a:rPr lang="en-US" smtClean="0"/>
-              <a:t>3/6/2017</a:t>
+              <a:t>3/29/2017</a:t>
             </a:fld>
             <a:endParaRPr lang="en-US"/>
           </a:p>
@@ -2372,7 +2372,7 @@
           <a:p>
             <a:fld id="{4A41720F-E0DA-4E1E-999A-1D88C944CE6C}" type="datetimeFigureOut">
               <a:rPr lang="en-US" smtClean="0"/>
-              <a:t>3/6/2017</a:t>
+              <a:t>3/29/2017</a:t>
             </a:fld>
             <a:endParaRPr lang="en-US"/>
           </a:p>
@@ -2585,7 +2585,7 @@
           <a:p>
             <a:fld id="{4A41720F-E0DA-4E1E-999A-1D88C944CE6C}" type="datetimeFigureOut">
               <a:rPr lang="en-US" smtClean="0"/>
-              <a:t>3/6/2017</a:t>
+              <a:t>3/29/2017</a:t>
             </a:fld>
             <a:endParaRPr lang="en-US"/>
           </a:p>
@@ -3751,11 +3751,7 @@
             <a:pPr algn="l"/>
             <a:r>
               <a:rPr lang="en-US" sz="3200" b="1" dirty="0" smtClean="0"/>
-              <a:t>	NOW </a:t>
-            </a:r>
-            <a:r>
-              <a:rPr lang="en-US" sz="3200" b="1" dirty="0" smtClean="0"/>
-              <a:t>Push Changes to the Repository</a:t>
+              <a:t>	NOW Push Changes to the Repository</a:t>
             </a:r>
           </a:p>
           <a:p>
@@ -4118,7 +4114,6 @@
               <a:rPr lang="en-US" sz="2400" b="1" dirty="0"/>
               <a:t> server and Tom also pushed his first version. Now, Jerry can view his changes. The Clone operation creates an instance of the remote repository.</a:t>
             </a:r>
-            <a:endParaRPr lang="en-US" sz="2400" b="1" dirty="0"/>
           </a:p>
         </p:txBody>
       </p:sp>
@@ -7768,11 +7763,7 @@
             <a:pPr algn="l"/>
             <a:r>
               <a:rPr lang="en-US" b="1" dirty="0" smtClean="0"/>
-              <a:t>			INSTALL </a:t>
-            </a:r>
-            <a:r>
-              <a:rPr lang="en-US" b="1" dirty="0" smtClean="0"/>
-              <a:t>GIT IN SYSTEM</a:t>
+              <a:t>			INSTALL GIT IN SYSTEM</a:t>
             </a:r>
           </a:p>
           <a:p>
@@ -7829,11 +7820,7 @@
             <a:pPr algn="l"/>
             <a:r>
               <a:rPr lang="en-US" dirty="0" err="1" smtClean="0"/>
-              <a:t>NOTE:</a:t>
-            </a:r>
-            <a:r>
-              <a:rPr lang="en-US" dirty="0" err="1" smtClean="0"/>
-              <a:t>Git</a:t>
+              <a:t>NOTE:Git</a:t>
             </a:r>
             <a:r>
               <a:rPr lang="en-US" dirty="0" smtClean="0"/>
